--- a/gitForStudents.pptx
+++ b/gitForStudents.pptx
@@ -5,23 +5,24 @@
     <p:sldMasterId id="2147483840" r:id="rId4"/>
   </p:sldMasterIdLst>
   <p:notesMasterIdLst>
-    <p:notesMasterId r:id="rId16"/>
+    <p:notesMasterId r:id="rId17"/>
   </p:notesMasterIdLst>
   <p:handoutMasterIdLst>
-    <p:handoutMasterId r:id="rId17"/>
+    <p:handoutMasterId r:id="rId18"/>
   </p:handoutMasterIdLst>
   <p:sldIdLst>
     <p:sldId id="256" r:id="rId5"/>
     <p:sldId id="268" r:id="rId6"/>
     <p:sldId id="267" r:id="rId7"/>
     <p:sldId id="273" r:id="rId8"/>
-    <p:sldId id="262" r:id="rId9"/>
-    <p:sldId id="270" r:id="rId10"/>
-    <p:sldId id="265" r:id="rId11"/>
-    <p:sldId id="271" r:id="rId12"/>
-    <p:sldId id="272" r:id="rId13"/>
-    <p:sldId id="264" r:id="rId14"/>
-    <p:sldId id="257" r:id="rId15"/>
+    <p:sldId id="274" r:id="rId9"/>
+    <p:sldId id="262" r:id="rId10"/>
+    <p:sldId id="270" r:id="rId11"/>
+    <p:sldId id="265" r:id="rId12"/>
+    <p:sldId id="271" r:id="rId13"/>
+    <p:sldId id="272" r:id="rId14"/>
+    <p:sldId id="264" r:id="rId15"/>
+    <p:sldId id="257" r:id="rId16"/>
   </p:sldIdLst>
   <p:sldSz cx="12192000" cy="6858000"/>
   <p:notesSz cx="6858000" cy="9144000"/>
@@ -927,6 +928,90 @@
     <p:extLst>
       <p:ext uri="{BB962C8B-B14F-4D97-AF65-F5344CB8AC3E}">
         <p14:creationId xmlns:p14="http://schemas.microsoft.com/office/powerpoint/2010/main" val="2718506800"/>
+      </p:ext>
+    </p:extLst>
+  </p:cSld>
+  <p:clrMapOvr>
+    <a:masterClrMapping/>
+  </p:clrMapOvr>
+</p:notes>
+</file>
+
+<file path=ppt/notesSlides/notesSlide4.xml><?xml version="1.0" encoding="utf-8"?>
+<p:notes xmlns:a="http://schemas.openxmlformats.org/drawingml/2006/main" xmlns:r="http://schemas.openxmlformats.org/officeDocument/2006/relationships" xmlns:p="http://schemas.openxmlformats.org/presentationml/2006/main">
+  <p:cSld>
+    <p:spTree>
+      <p:nvGrpSpPr>
+        <p:cNvPr id="1" name=""/>
+        <p:cNvGrpSpPr/>
+        <p:nvPr/>
+      </p:nvGrpSpPr>
+      <p:grpSpPr>
+        <a:xfrm>
+          <a:off x="0" y="0"/>
+          <a:ext cx="0" cy="0"/>
+          <a:chOff x="0" y="0"/>
+          <a:chExt cx="0" cy="0"/>
+        </a:xfrm>
+      </p:grpSpPr>
+      <p:sp>
+        <p:nvSpPr>
+          <p:cNvPr id="2" name="Slide Image Placeholder 1"/>
+          <p:cNvSpPr>
+            <a:spLocks noGrp="1" noRot="1" noChangeAspect="1"/>
+          </p:cNvSpPr>
+          <p:nvPr>
+            <p:ph type="sldImg"/>
+          </p:nvPr>
+        </p:nvSpPr>
+        <p:spPr/>
+      </p:sp>
+      <p:sp>
+        <p:nvSpPr>
+          <p:cNvPr id="3" name="Notes Placeholder 2"/>
+          <p:cNvSpPr>
+            <a:spLocks noGrp="1"/>
+          </p:cNvSpPr>
+          <p:nvPr>
+            <p:ph type="body" idx="1"/>
+          </p:nvPr>
+        </p:nvSpPr>
+        <p:spPr/>
+        <p:txBody>
+          <a:bodyPr/>
+          <a:lstStyle/>
+          <a:p>
+            <a:endParaRPr lang="en-US" dirty="0"/>
+          </a:p>
+        </p:txBody>
+      </p:sp>
+      <p:sp>
+        <p:nvSpPr>
+          <p:cNvPr id="4" name="Slide Number Placeholder 3"/>
+          <p:cNvSpPr>
+            <a:spLocks noGrp="1"/>
+          </p:cNvSpPr>
+          <p:nvPr>
+            <p:ph type="sldNum" sz="quarter" idx="5"/>
+          </p:nvPr>
+        </p:nvSpPr>
+        <p:spPr/>
+        <p:txBody>
+          <a:bodyPr/>
+          <a:lstStyle/>
+          <a:p>
+            <a:fld id="{A3F167F0-0840-1348-BFE4-C6298BBC0698}" type="slidenum">
+              <a:rPr lang="en-US" smtClean="0"/>
+              <a:t>5</a:t>
+            </a:fld>
+            <a:endParaRPr lang="en-US" dirty="0"/>
+          </a:p>
+        </p:txBody>
+      </p:sp>
+    </p:spTree>
+    <p:extLst>
+      <p:ext uri="{BB962C8B-B14F-4D97-AF65-F5344CB8AC3E}">
+        <p14:creationId xmlns:p14="http://schemas.microsoft.com/office/powerpoint/2010/main" val="2602683899"/>
       </p:ext>
     </p:extLst>
   </p:cSld>
@@ -14487,6 +14572,379 @@
       </p:grpSpPr>
       <p:sp>
         <p:nvSpPr>
+          <p:cNvPr id="2" name="Title 1">
+            <a:extLst>
+              <a:ext uri="{FF2B5EF4-FFF2-40B4-BE49-F238E27FC236}">
+                <a16:creationId xmlns:a16="http://schemas.microsoft.com/office/drawing/2014/main" id="{01E330EF-AD71-4BCA-912D-98E229FAD44D}"/>
+              </a:ext>
+            </a:extLst>
+          </p:cNvPr>
+          <p:cNvSpPr>
+            <a:spLocks noGrp="1"/>
+          </p:cNvSpPr>
+          <p:nvPr>
+            <p:ph type="title"/>
+          </p:nvPr>
+        </p:nvSpPr>
+        <p:spPr/>
+        <p:txBody>
+          <a:bodyPr/>
+          <a:lstStyle/>
+          <a:p>
+            <a:r>
+              <a:rPr lang="en-US" dirty="0"/>
+              <a:t>How and when to contact me?</a:t>
+            </a:r>
+          </a:p>
+        </p:txBody>
+      </p:sp>
+      <p:pic>
+        <p:nvPicPr>
+          <p:cNvPr id="12" name="Picture Placeholder 11" descr="Dance">
+            <a:extLst>
+              <a:ext uri="{FF2B5EF4-FFF2-40B4-BE49-F238E27FC236}">
+                <a16:creationId xmlns:a16="http://schemas.microsoft.com/office/drawing/2014/main" id="{FC1B2E2C-6C17-4D56-85F9-61C465254BB8}"/>
+              </a:ext>
+            </a:extLst>
+          </p:cNvPr>
+          <p:cNvPicPr>
+            <a:picLocks noGrp="1" noChangeAspect="1"/>
+          </p:cNvPicPr>
+          <p:nvPr>
+            <p:ph type="pic" sz="quarter" idx="4294967295"/>
+          </p:nvPr>
+        </p:nvPicPr>
+        <p:blipFill rotWithShape="1">
+          <a:blip r:embed="rId2">
+            <a:extLst>
+              <a:ext uri="{28A0092B-C50C-407E-A947-70E740481C1C}">
+                <a14:useLocalDpi xmlns:a14="http://schemas.microsoft.com/office/drawing/2010/main" val="0"/>
+              </a:ext>
+              <a:ext uri="{96DAC541-7B7A-43D3-8B79-37D633B846F1}">
+                <asvg:svgBlip xmlns:asvg="http://schemas.microsoft.com/office/drawing/2016/SVG/main" r:embed="rId3"/>
+              </a:ext>
+            </a:extLst>
+          </a:blip>
+          <a:srcRect l="-54056" t="-54056" r="-54056" b="-54056"/>
+          <a:stretch/>
+        </p:blipFill>
+        <p:spPr>
+          <a:xfrm>
+            <a:off x="5105845" y="1932281"/>
+            <a:ext cx="1041323" cy="1041323"/>
+          </a:xfrm>
+        </p:spPr>
+      </p:pic>
+      <p:sp>
+        <p:nvSpPr>
+          <p:cNvPr id="4" name="Text Placeholder 3">
+            <a:extLst>
+              <a:ext uri="{FF2B5EF4-FFF2-40B4-BE49-F238E27FC236}">
+                <a16:creationId xmlns:a16="http://schemas.microsoft.com/office/drawing/2014/main" id="{DC64ADBA-9106-4F0D-B92F-73E23D3A267F}"/>
+              </a:ext>
+            </a:extLst>
+          </p:cNvPr>
+          <p:cNvSpPr>
+            <a:spLocks noGrp="1"/>
+          </p:cNvSpPr>
+          <p:nvPr>
+            <p:ph type="body" sz="quarter" idx="14"/>
+          </p:nvPr>
+        </p:nvSpPr>
+        <p:spPr>
+          <a:xfrm>
+            <a:off x="6189670" y="1582467"/>
+            <a:ext cx="2095046" cy="1826703"/>
+          </a:xfrm>
+        </p:spPr>
+        <p:txBody>
+          <a:bodyPr>
+            <a:normAutofit/>
+          </a:bodyPr>
+          <a:lstStyle/>
+          <a:p>
+            <a:r>
+              <a:rPr lang="en-US" dirty="0"/>
+              <a:t>I want you to have a great and successful year!</a:t>
+            </a:r>
+          </a:p>
+        </p:txBody>
+      </p:sp>
+      <p:pic>
+        <p:nvPicPr>
+          <p:cNvPr id="14" name="Picture Placeholder 13" descr="Teacher">
+            <a:extLst>
+              <a:ext uri="{FF2B5EF4-FFF2-40B4-BE49-F238E27FC236}">
+                <a16:creationId xmlns:a16="http://schemas.microsoft.com/office/drawing/2014/main" id="{BFF29EC3-B08A-46B9-868D-D15E5E1EF3F9}"/>
+              </a:ext>
+            </a:extLst>
+          </p:cNvPr>
+          <p:cNvPicPr>
+            <a:picLocks noGrp="1" noChangeAspect="1"/>
+          </p:cNvPicPr>
+          <p:nvPr>
+            <p:ph type="pic" sz="quarter" idx="4294967295"/>
+          </p:nvPr>
+        </p:nvPicPr>
+        <p:blipFill rotWithShape="1">
+          <a:blip r:embed="rId4">
+            <a:extLst>
+              <a:ext uri="{28A0092B-C50C-407E-A947-70E740481C1C}">
+                <a14:useLocalDpi xmlns:a14="http://schemas.microsoft.com/office/drawing/2010/main" val="0"/>
+              </a:ext>
+              <a:ext uri="{96DAC541-7B7A-43D3-8B79-37D633B846F1}">
+                <asvg:svgBlip xmlns:asvg="http://schemas.microsoft.com/office/drawing/2016/SVG/main" r:embed="rId5"/>
+              </a:ext>
+            </a:extLst>
+          </a:blip>
+          <a:srcRect l="-59789" t="-59789" r="-59789" b="-59789"/>
+          <a:stretch/>
+        </p:blipFill>
+        <p:spPr>
+          <a:xfrm>
+            <a:off x="8410099" y="1932281"/>
+            <a:ext cx="1041323" cy="1041323"/>
+          </a:xfrm>
+        </p:spPr>
+      </p:pic>
+      <p:sp>
+        <p:nvSpPr>
+          <p:cNvPr id="6" name="Text Placeholder 5">
+            <a:extLst>
+              <a:ext uri="{FF2B5EF4-FFF2-40B4-BE49-F238E27FC236}">
+                <a16:creationId xmlns:a16="http://schemas.microsoft.com/office/drawing/2014/main" id="{EFDEDC41-3977-462C-A56C-268F31CB5F74}"/>
+              </a:ext>
+            </a:extLst>
+          </p:cNvPr>
+          <p:cNvSpPr>
+            <a:spLocks noGrp="1"/>
+          </p:cNvSpPr>
+          <p:nvPr>
+            <p:ph type="body" sz="quarter" idx="16"/>
+          </p:nvPr>
+        </p:nvSpPr>
+        <p:spPr>
+          <a:xfrm>
+            <a:off x="9519533" y="1582467"/>
+            <a:ext cx="2095046" cy="1826703"/>
+          </a:xfrm>
+        </p:spPr>
+        <p:txBody>
+          <a:bodyPr>
+            <a:normAutofit/>
+          </a:bodyPr>
+          <a:lstStyle/>
+          <a:p>
+            <a:r>
+              <a:rPr lang="en-US" dirty="0"/>
+              <a:t>You may visit with me about questions or concerns any time we are not in the middle of direct instruction, or I am not helping other students.</a:t>
+            </a:r>
+          </a:p>
+        </p:txBody>
+      </p:sp>
+      <p:pic>
+        <p:nvPicPr>
+          <p:cNvPr id="16" name="Picture Placeholder 15" descr="Envelope">
+            <a:extLst>
+              <a:ext uri="{FF2B5EF4-FFF2-40B4-BE49-F238E27FC236}">
+                <a16:creationId xmlns:a16="http://schemas.microsoft.com/office/drawing/2014/main" id="{FD570080-EB17-406F-9FA9-54B4145DCEF4}"/>
+              </a:ext>
+            </a:extLst>
+          </p:cNvPr>
+          <p:cNvPicPr>
+            <a:picLocks noGrp="1" noChangeAspect="1"/>
+          </p:cNvPicPr>
+          <p:nvPr>
+            <p:ph type="pic" sz="quarter" idx="4294967295"/>
+          </p:nvPr>
+        </p:nvPicPr>
+        <p:blipFill>
+          <a:blip r:embed="rId6">
+            <a:extLst>
+              <a:ext uri="{96DAC541-7B7A-43D3-8B79-37D633B846F1}">
+                <asvg:svgBlip xmlns:asvg="http://schemas.microsoft.com/office/drawing/2016/SVG/main" r:embed="rId7"/>
+              </a:ext>
+            </a:extLst>
+          </a:blip>
+          <a:stretch>
+            <a:fillRect/>
+          </a:stretch>
+        </p:blipFill>
+        <p:spPr>
+          <a:xfrm>
+            <a:off x="5338268" y="4257675"/>
+            <a:ext cx="490386" cy="490386"/>
+          </a:xfrm>
+        </p:spPr>
+      </p:pic>
+      <p:sp>
+        <p:nvSpPr>
+          <p:cNvPr id="8" name="Text Placeholder 7">
+            <a:extLst>
+              <a:ext uri="{FF2B5EF4-FFF2-40B4-BE49-F238E27FC236}">
+                <a16:creationId xmlns:a16="http://schemas.microsoft.com/office/drawing/2014/main" id="{D4480B4D-7DFB-4ED2-BE16-ED0D78C3F233}"/>
+              </a:ext>
+            </a:extLst>
+          </p:cNvPr>
+          <p:cNvSpPr>
+            <a:spLocks noGrp="1"/>
+          </p:cNvSpPr>
+          <p:nvPr>
+            <p:ph type="body" sz="quarter" idx="18"/>
+          </p:nvPr>
+        </p:nvSpPr>
+        <p:spPr>
+          <a:xfrm>
+            <a:off x="6189670" y="3630092"/>
+            <a:ext cx="2095046" cy="1826703"/>
+          </a:xfrm>
+        </p:spPr>
+        <p:txBody>
+          <a:bodyPr>
+            <a:normAutofit/>
+          </a:bodyPr>
+          <a:lstStyle/>
+          <a:p>
+            <a:r>
+              <a:rPr lang="en-US" dirty="0"/>
+              <a:t>You may email me if necessary, and I will respond when I am able.</a:t>
+            </a:r>
+          </a:p>
+        </p:txBody>
+      </p:sp>
+      <p:pic>
+        <p:nvPicPr>
+          <p:cNvPr id="18" name="Picture Placeholder 17" descr="Books">
+            <a:extLst>
+              <a:ext uri="{FF2B5EF4-FFF2-40B4-BE49-F238E27FC236}">
+                <a16:creationId xmlns:a16="http://schemas.microsoft.com/office/drawing/2014/main" id="{A5AF2A59-1CC2-4D6E-82C6-4995A03532D8}"/>
+              </a:ext>
+            </a:extLst>
+          </p:cNvPr>
+          <p:cNvPicPr>
+            <a:picLocks noGrp="1" noChangeAspect="1"/>
+          </p:cNvPicPr>
+          <p:nvPr>
+            <p:ph type="pic" sz="quarter" idx="4294967295"/>
+          </p:nvPr>
+        </p:nvPicPr>
+        <p:blipFill rotWithShape="1">
+          <a:blip r:embed="rId8">
+            <a:extLst>
+              <a:ext uri="{28A0092B-C50C-407E-A947-70E740481C1C}">
+                <a14:useLocalDpi xmlns:a14="http://schemas.microsoft.com/office/drawing/2010/main" val="0"/>
+              </a:ext>
+              <a:ext uri="{96DAC541-7B7A-43D3-8B79-37D633B846F1}">
+                <asvg:svgBlip xmlns:asvg="http://schemas.microsoft.com/office/drawing/2016/SVG/main" r:embed="rId9"/>
+              </a:ext>
+            </a:extLst>
+          </a:blip>
+          <a:srcRect l="-65620" t="-65620" r="-65620" b="-65620"/>
+          <a:stretch/>
+        </p:blipFill>
+        <p:spPr>
+          <a:xfrm>
+            <a:off x="8410099" y="3979906"/>
+            <a:ext cx="1041323" cy="1041323"/>
+          </a:xfrm>
+        </p:spPr>
+      </p:pic>
+      <p:sp>
+        <p:nvSpPr>
+          <p:cNvPr id="10" name="Text Placeholder 9">
+            <a:extLst>
+              <a:ext uri="{FF2B5EF4-FFF2-40B4-BE49-F238E27FC236}">
+                <a16:creationId xmlns:a16="http://schemas.microsoft.com/office/drawing/2014/main" id="{83E86EAF-D8FA-4229-BD4A-CCAAF9A19DD6}"/>
+              </a:ext>
+            </a:extLst>
+          </p:cNvPr>
+          <p:cNvSpPr>
+            <a:spLocks noGrp="1"/>
+          </p:cNvSpPr>
+          <p:nvPr>
+            <p:ph type="body" sz="quarter" idx="20"/>
+          </p:nvPr>
+        </p:nvSpPr>
+        <p:spPr>
+          <a:xfrm>
+            <a:off x="9519533" y="3630092"/>
+            <a:ext cx="2095046" cy="1826703"/>
+          </a:xfrm>
+        </p:spPr>
+        <p:txBody>
+          <a:bodyPr>
+            <a:normAutofit/>
+          </a:bodyPr>
+          <a:lstStyle/>
+          <a:p>
+            <a:r>
+              <a:rPr lang="en-US" dirty="0"/>
+              <a:t>I am available for extra help before or after school. When possible, please let me know in advance so I can plan accordingly.</a:t>
+            </a:r>
+          </a:p>
+        </p:txBody>
+      </p:sp>
+      <p:sp>
+        <p:nvSpPr>
+          <p:cNvPr id="29" name="Slide Number Placeholder 28">
+            <a:extLst>
+              <a:ext uri="{FF2B5EF4-FFF2-40B4-BE49-F238E27FC236}">
+                <a16:creationId xmlns:a16="http://schemas.microsoft.com/office/drawing/2014/main" id="{F5A71D41-5822-AC42-8C29-6AFDEB817A8A}"/>
+              </a:ext>
+            </a:extLst>
+          </p:cNvPr>
+          <p:cNvSpPr>
+            <a:spLocks noGrp="1"/>
+          </p:cNvSpPr>
+          <p:nvPr>
+            <p:ph type="sldNum" sz="quarter" idx="12"/>
+          </p:nvPr>
+        </p:nvSpPr>
+        <p:spPr/>
+        <p:txBody>
+          <a:bodyPr/>
+          <a:lstStyle/>
+          <a:p>
+            <a:fld id="{9FF96B15-8338-45D5-A943-561235072D66}" type="slidenum">
+              <a:rPr lang="en-US" smtClean="0"/>
+              <a:t>10</a:t>
+            </a:fld>
+            <a:endParaRPr lang="en-US" dirty="0"/>
+          </a:p>
+        </p:txBody>
+      </p:sp>
+    </p:spTree>
+    <p:extLst>
+      <p:ext uri="{BB962C8B-B14F-4D97-AF65-F5344CB8AC3E}">
+        <p14:creationId xmlns:p14="http://schemas.microsoft.com/office/powerpoint/2010/main" val="1486305253"/>
+      </p:ext>
+    </p:extLst>
+  </p:cSld>
+  <p:clrMapOvr>
+    <a:masterClrMapping/>
+  </p:clrMapOvr>
+</p:sld>
+</file>
+
+<file path=ppt/slides/slide11.xml><?xml version="1.0" encoding="utf-8"?>
+<p:sld xmlns:a="http://schemas.openxmlformats.org/drawingml/2006/main" xmlns:r="http://schemas.openxmlformats.org/officeDocument/2006/relationships" xmlns:p="http://schemas.openxmlformats.org/presentationml/2006/main">
+  <p:cSld>
+    <p:spTree>
+      <p:nvGrpSpPr>
+        <p:cNvPr id="1" name=""/>
+        <p:cNvGrpSpPr/>
+        <p:nvPr/>
+      </p:nvGrpSpPr>
+      <p:grpSpPr>
+        <a:xfrm>
+          <a:off x="0" y="0"/>
+          <a:ext cx="0" cy="0"/>
+          <a:chOff x="0" y="0"/>
+          <a:chExt cx="0" cy="0"/>
+        </a:xfrm>
+      </p:grpSpPr>
+      <p:sp>
+        <p:nvSpPr>
           <p:cNvPr id="8" name="Title 7">
             <a:extLst>
               <a:ext uri="{FF2B5EF4-FFF2-40B4-BE49-F238E27FC236}">
@@ -14665,7 +15123,7 @@
           <a:p>
             <a:fld id="{9FF96B15-8338-45D5-A943-561235072D66}" type="slidenum">
               <a:rPr lang="en-US" smtClean="0"/>
-              <a:t>10</a:t>
+              <a:t>11</a:t>
             </a:fld>
             <a:endParaRPr lang="en-US" dirty="0"/>
           </a:p>
@@ -14684,7 +15142,7 @@
 </p:sld>
 </file>
 
-<file path=ppt/slides/slide11.xml><?xml version="1.0" encoding="utf-8"?>
+<file path=ppt/slides/slide12.xml><?xml version="1.0" encoding="utf-8"?>
 <p:sld xmlns:a="http://schemas.openxmlformats.org/drawingml/2006/main" xmlns:r="http://schemas.openxmlformats.org/officeDocument/2006/relationships" xmlns:p="http://schemas.openxmlformats.org/presentationml/2006/main">
   <p:cSld>
     <p:spTree>
@@ -15321,7 +15779,7 @@
         </p:nvSpPr>
         <p:spPr>
           <a:xfrm>
-            <a:off x="5107332" y="811576"/>
+            <a:off x="5107332" y="451576"/>
             <a:ext cx="3852000" cy="720000"/>
           </a:xfrm>
         </p:spPr>
@@ -15385,7 +15843,7 @@
         </p:nvSpPr>
         <p:spPr>
           <a:xfrm>
-            <a:off x="6605626" y="3069000"/>
+            <a:off x="5166950" y="2450188"/>
             <a:ext cx="3852000" cy="720000"/>
           </a:xfrm>
         </p:spPr>
@@ -15414,8 +15872,8 @@
         </p:nvSpPr>
         <p:spPr>
           <a:xfrm>
-            <a:off x="5107332" y="1780312"/>
-            <a:ext cx="3852000" cy="1013552"/>
+            <a:off x="5166950" y="1315481"/>
+            <a:ext cx="3023116" cy="874753"/>
           </a:xfrm>
           <a:prstGeom prst="rect">
             <a:avLst/>
@@ -15542,6 +16000,36 @@
           </a:p>
         </p:txBody>
       </p:sp>
+      <p:pic>
+        <p:nvPicPr>
+          <p:cNvPr id="5" name="Picture 4">
+            <a:extLst>
+              <a:ext uri="{FF2B5EF4-FFF2-40B4-BE49-F238E27FC236}">
+                <a16:creationId xmlns:a16="http://schemas.microsoft.com/office/drawing/2014/main" id="{69FB1085-4311-4C84-AAB5-37674D6A674A}"/>
+              </a:ext>
+            </a:extLst>
+          </p:cNvPr>
+          <p:cNvPicPr>
+            <a:picLocks noChangeAspect="1"/>
+          </p:cNvPicPr>
+          <p:nvPr/>
+        </p:nvPicPr>
+        <p:blipFill>
+          <a:blip r:embed="rId3"/>
+          <a:stretch>
+            <a:fillRect/>
+          </a:stretch>
+        </p:blipFill>
+        <p:spPr>
+          <a:xfrm>
+            <a:off x="6654523" y="3449020"/>
+            <a:ext cx="5199627" cy="2946456"/>
+          </a:xfrm>
+          <a:prstGeom prst="rect">
+            <a:avLst/>
+          </a:prstGeom>
+        </p:spPr>
+      </p:pic>
       <p:sp>
         <p:nvSpPr>
           <p:cNvPr id="19" name="Rectangle 18">
@@ -15556,8 +16044,8 @@
         </p:nvSpPr>
         <p:spPr>
           <a:xfrm>
-            <a:off x="5107332" y="4331288"/>
-            <a:ext cx="2229902" cy="1013552"/>
+            <a:off x="5222071" y="3271571"/>
+            <a:ext cx="1811261" cy="571218"/>
           </a:xfrm>
           <a:prstGeom prst="rect">
             <a:avLst/>
@@ -15636,6 +16124,424 @@
 </file>
 
 <file path=ppt/slides/slide5.xml><?xml version="1.0" encoding="utf-8"?>
+<p:sld xmlns:a="http://schemas.openxmlformats.org/drawingml/2006/main" xmlns:r="http://schemas.openxmlformats.org/officeDocument/2006/relationships" xmlns:p="http://schemas.openxmlformats.org/presentationml/2006/main">
+  <p:cSld>
+    <p:spTree>
+      <p:nvGrpSpPr>
+        <p:cNvPr id="1" name=""/>
+        <p:cNvGrpSpPr/>
+        <p:nvPr/>
+      </p:nvGrpSpPr>
+      <p:grpSpPr>
+        <a:xfrm>
+          <a:off x="0" y="0"/>
+          <a:ext cx="0" cy="0"/>
+          <a:chOff x="0" y="0"/>
+          <a:chExt cx="0" cy="0"/>
+        </a:xfrm>
+      </p:grpSpPr>
+      <p:sp>
+        <p:nvSpPr>
+          <p:cNvPr id="2" name="Title 1">
+            <a:extLst>
+              <a:ext uri="{FF2B5EF4-FFF2-40B4-BE49-F238E27FC236}">
+                <a16:creationId xmlns:a16="http://schemas.microsoft.com/office/drawing/2014/main" id="{09588723-F88E-4F02-B1A9-D1224233BEEF}"/>
+              </a:ext>
+            </a:extLst>
+          </p:cNvPr>
+          <p:cNvSpPr>
+            <a:spLocks noGrp="1"/>
+          </p:cNvSpPr>
+          <p:nvPr>
+            <p:ph type="title"/>
+          </p:nvPr>
+        </p:nvSpPr>
+        <p:spPr/>
+        <p:txBody>
+          <a:bodyPr>
+            <a:normAutofit/>
+          </a:bodyPr>
+          <a:lstStyle/>
+          <a:p>
+            <a:pPr>
+              <a:lnSpc>
+                <a:spcPct val="90000"/>
+              </a:lnSpc>
+            </a:pPr>
+            <a:r>
+              <a:rPr lang="en-US" sz="2300" dirty="0">
+                <a:solidFill>
+                  <a:schemeClr val="bg1"/>
+                </a:solidFill>
+              </a:rPr>
+              <a:t>Roll Back</a:t>
+            </a:r>
+          </a:p>
+        </p:txBody>
+      </p:sp>
+      <p:sp>
+        <p:nvSpPr>
+          <p:cNvPr id="3" name="Text Placeholder 2">
+            <a:extLst>
+              <a:ext uri="{FF2B5EF4-FFF2-40B4-BE49-F238E27FC236}">
+                <a16:creationId xmlns:a16="http://schemas.microsoft.com/office/drawing/2014/main" id="{902B5742-D468-45B7-9156-641CD4D80AD3}"/>
+              </a:ext>
+            </a:extLst>
+          </p:cNvPr>
+          <p:cNvSpPr>
+            <a:spLocks noGrp="1"/>
+          </p:cNvSpPr>
+          <p:nvPr>
+            <p:ph type="body" sz="quarter" idx="13"/>
+          </p:nvPr>
+        </p:nvSpPr>
+        <p:spPr>
+          <a:xfrm>
+            <a:off x="5107332" y="451576"/>
+            <a:ext cx="3852000" cy="720000"/>
+          </a:xfrm>
+        </p:spPr>
+        <p:txBody>
+          <a:bodyPr>
+            <a:normAutofit/>
+          </a:bodyPr>
+          <a:lstStyle/>
+          <a:p>
+            <a:r>
+              <a:rPr lang="en-US" dirty="0"/>
+              <a:t>Old Way</a:t>
+            </a:r>
+          </a:p>
+        </p:txBody>
+      </p:sp>
+      <p:sp>
+        <p:nvSpPr>
+          <p:cNvPr id="7" name="Slide Number Placeholder 6">
+            <a:extLst>
+              <a:ext uri="{FF2B5EF4-FFF2-40B4-BE49-F238E27FC236}">
+                <a16:creationId xmlns:a16="http://schemas.microsoft.com/office/drawing/2014/main" id="{6B48CA6F-C72D-F944-B10D-0504BB669B47}"/>
+              </a:ext>
+            </a:extLst>
+          </p:cNvPr>
+          <p:cNvSpPr>
+            <a:spLocks noGrp="1"/>
+          </p:cNvSpPr>
+          <p:nvPr>
+            <p:ph type="sldNum" sz="quarter" idx="12"/>
+          </p:nvPr>
+        </p:nvSpPr>
+        <p:spPr/>
+        <p:txBody>
+          <a:bodyPr/>
+          <a:lstStyle/>
+          <a:p>
+            <a:fld id="{9FF96B15-8338-45D5-A943-561235072D66}" type="slidenum">
+              <a:rPr lang="en-US" smtClean="0"/>
+              <a:t>5</a:t>
+            </a:fld>
+            <a:endParaRPr lang="en-US" dirty="0"/>
+          </a:p>
+        </p:txBody>
+      </p:sp>
+      <p:sp>
+        <p:nvSpPr>
+          <p:cNvPr id="12" name="Text Placeholder 11">
+            <a:extLst>
+              <a:ext uri="{FF2B5EF4-FFF2-40B4-BE49-F238E27FC236}">
+                <a16:creationId xmlns:a16="http://schemas.microsoft.com/office/drawing/2014/main" id="{FD261E8F-F082-4429-83C1-C18F97CDF2E5}"/>
+              </a:ext>
+            </a:extLst>
+          </p:cNvPr>
+          <p:cNvSpPr>
+            <a:spLocks noGrp="1"/>
+          </p:cNvSpPr>
+          <p:nvPr>
+            <p:ph type="body" sz="quarter" idx="16"/>
+          </p:nvPr>
+        </p:nvSpPr>
+        <p:spPr>
+          <a:xfrm>
+            <a:off x="5166950" y="2450188"/>
+            <a:ext cx="3852000" cy="720000"/>
+          </a:xfrm>
+        </p:spPr>
+        <p:txBody>
+          <a:bodyPr/>
+          <a:lstStyle/>
+          <a:p>
+            <a:r>
+              <a:rPr lang="en-US" dirty="0"/>
+              <a:t>New Way</a:t>
+            </a:r>
+          </a:p>
+        </p:txBody>
+      </p:sp>
+      <p:sp>
+        <p:nvSpPr>
+          <p:cNvPr id="17" name="Rectangle 16">
+            <a:extLst>
+              <a:ext uri="{FF2B5EF4-FFF2-40B4-BE49-F238E27FC236}">
+                <a16:creationId xmlns:a16="http://schemas.microsoft.com/office/drawing/2014/main" id="{80E76A68-5E46-46AC-8BFE-9C1C93A89351}"/>
+              </a:ext>
+            </a:extLst>
+          </p:cNvPr>
+          <p:cNvSpPr/>
+          <p:nvPr/>
+        </p:nvSpPr>
+        <p:spPr>
+          <a:xfrm>
+            <a:off x="5166950" y="1315481"/>
+            <a:ext cx="3023116" cy="874753"/>
+          </a:xfrm>
+          <a:prstGeom prst="rect">
+            <a:avLst/>
+          </a:prstGeom>
+        </p:spPr>
+        <p:style>
+          <a:lnRef idx="2">
+            <a:schemeClr val="accent1">
+              <a:shade val="50000"/>
+            </a:schemeClr>
+          </a:lnRef>
+          <a:fillRef idx="1">
+            <a:schemeClr val="accent1"/>
+          </a:fillRef>
+          <a:effectRef idx="0">
+            <a:schemeClr val="accent1"/>
+          </a:effectRef>
+          <a:fontRef idx="minor">
+            <a:schemeClr val="lt1"/>
+          </a:fontRef>
+        </p:style>
+        <p:txBody>
+          <a:bodyPr rtlCol="0" anchor="ctr"/>
+          <a:lstStyle/>
+          <a:p>
+            <a:endParaRPr lang="en-US" dirty="0">
+              <a:ln w="0"/>
+              <a:solidFill>
+                <a:schemeClr val="tx1"/>
+              </a:solidFill>
+              <a:effectLst>
+                <a:outerShdw blurRad="38100" dist="19050" dir="2700000" algn="tl" rotWithShape="0">
+                  <a:schemeClr val="dk1">
+                    <a:alpha val="40000"/>
+                  </a:schemeClr>
+                </a:outerShdw>
+              </a:effectLst>
+            </a:endParaRPr>
+          </a:p>
+          <a:p>
+            <a:pPr algn="ctr"/>
+            <a:r>
+              <a:rPr lang="en-US" dirty="0">
+                <a:ln w="0"/>
+                <a:solidFill>
+                  <a:schemeClr val="tx1"/>
+                </a:solidFill>
+                <a:effectLst>
+                  <a:outerShdw blurRad="38100" dist="19050" dir="2700000" algn="tl" rotWithShape="0">
+                    <a:schemeClr val="dk1">
+                      <a:alpha val="40000"/>
+                    </a:schemeClr>
+                  </a:outerShdw>
+                </a:effectLst>
+              </a:rPr>
+              <a:t>homework.txt</a:t>
+            </a:r>
+            <a:br>
+              <a:rPr lang="en-US" dirty="0">
+                <a:ln w="0"/>
+                <a:solidFill>
+                  <a:schemeClr val="tx1"/>
+                </a:solidFill>
+                <a:effectLst>
+                  <a:outerShdw blurRad="38100" dist="19050" dir="2700000" algn="tl" rotWithShape="0">
+                    <a:schemeClr val="dk1">
+                      <a:alpha val="40000"/>
+                    </a:schemeClr>
+                  </a:outerShdw>
+                </a:effectLst>
+              </a:rPr>
+            </a:br>
+            <a:r>
+              <a:rPr lang="en-US" dirty="0">
+                <a:ln w="0"/>
+                <a:solidFill>
+                  <a:schemeClr val="tx1"/>
+                </a:solidFill>
+                <a:effectLst>
+                  <a:outerShdw blurRad="38100" dist="19050" dir="2700000" algn="tl" rotWithShape="0">
+                    <a:schemeClr val="dk1">
+                      <a:alpha val="40000"/>
+                    </a:schemeClr>
+                  </a:outerShdw>
+                </a:effectLst>
+              </a:rPr>
+              <a:t>homework-final-draft.txt</a:t>
+            </a:r>
+            <a:br>
+              <a:rPr lang="en-US" dirty="0">
+                <a:ln w="0"/>
+                <a:solidFill>
+                  <a:schemeClr val="tx1"/>
+                </a:solidFill>
+                <a:effectLst>
+                  <a:outerShdw blurRad="38100" dist="19050" dir="2700000" algn="tl" rotWithShape="0">
+                    <a:schemeClr val="dk1">
+                      <a:alpha val="40000"/>
+                    </a:schemeClr>
+                  </a:outerShdw>
+                </a:effectLst>
+              </a:rPr>
+            </a:br>
+            <a:r>
+              <a:rPr lang="en-US" dirty="0">
+                <a:ln w="0"/>
+                <a:solidFill>
+                  <a:schemeClr val="tx1"/>
+                </a:solidFill>
+                <a:effectLst>
+                  <a:outerShdw blurRad="38100" dist="19050" dir="2700000" algn="tl" rotWithShape="0">
+                    <a:schemeClr val="dk1">
+                      <a:alpha val="40000"/>
+                    </a:schemeClr>
+                  </a:outerShdw>
+                </a:effectLst>
+              </a:rPr>
+              <a:t>homework-draft1.txt</a:t>
+            </a:r>
+          </a:p>
+          <a:p>
+            <a:pPr algn="ctr"/>
+            <a:endParaRPr lang="en-US" dirty="0"/>
+          </a:p>
+        </p:txBody>
+      </p:sp>
+      <p:pic>
+        <p:nvPicPr>
+          <p:cNvPr id="5" name="Picture 4">
+            <a:extLst>
+              <a:ext uri="{FF2B5EF4-FFF2-40B4-BE49-F238E27FC236}">
+                <a16:creationId xmlns:a16="http://schemas.microsoft.com/office/drawing/2014/main" id="{69FB1085-4311-4C84-AAB5-37674D6A674A}"/>
+              </a:ext>
+            </a:extLst>
+          </p:cNvPr>
+          <p:cNvPicPr>
+            <a:picLocks noChangeAspect="1"/>
+          </p:cNvPicPr>
+          <p:nvPr/>
+        </p:nvPicPr>
+        <p:blipFill>
+          <a:blip r:embed="rId3"/>
+          <a:stretch>
+            <a:fillRect/>
+          </a:stretch>
+        </p:blipFill>
+        <p:spPr>
+          <a:xfrm>
+            <a:off x="6654523" y="3449020"/>
+            <a:ext cx="5199627" cy="2946456"/>
+          </a:xfrm>
+          <a:prstGeom prst="rect">
+            <a:avLst/>
+          </a:prstGeom>
+        </p:spPr>
+      </p:pic>
+      <p:sp>
+        <p:nvSpPr>
+          <p:cNvPr id="19" name="Rectangle 18">
+            <a:extLst>
+              <a:ext uri="{FF2B5EF4-FFF2-40B4-BE49-F238E27FC236}">
+                <a16:creationId xmlns:a16="http://schemas.microsoft.com/office/drawing/2014/main" id="{99AF9FBC-D9BC-4BE6-AAD0-63AF14459A8A}"/>
+              </a:ext>
+            </a:extLst>
+          </p:cNvPr>
+          <p:cNvSpPr/>
+          <p:nvPr/>
+        </p:nvSpPr>
+        <p:spPr>
+          <a:xfrm>
+            <a:off x="5222071" y="3271571"/>
+            <a:ext cx="1811261" cy="571218"/>
+          </a:xfrm>
+          <a:prstGeom prst="rect">
+            <a:avLst/>
+          </a:prstGeom>
+        </p:spPr>
+        <p:style>
+          <a:lnRef idx="2">
+            <a:schemeClr val="accent4">
+              <a:shade val="50000"/>
+            </a:schemeClr>
+          </a:lnRef>
+          <a:fillRef idx="1">
+            <a:schemeClr val="accent4"/>
+          </a:fillRef>
+          <a:effectRef idx="0">
+            <a:schemeClr val="accent4"/>
+          </a:effectRef>
+          <a:fontRef idx="minor">
+            <a:schemeClr val="lt1"/>
+          </a:fontRef>
+        </p:style>
+        <p:txBody>
+          <a:bodyPr rtlCol="0" anchor="ctr"/>
+          <a:lstStyle/>
+          <a:p>
+            <a:endParaRPr lang="en-US" dirty="0">
+              <a:ln w="0"/>
+              <a:solidFill>
+                <a:schemeClr val="tx1"/>
+              </a:solidFill>
+              <a:effectLst>
+                <a:outerShdw blurRad="38100" dist="19050" dir="2700000" algn="tl" rotWithShape="0">
+                  <a:schemeClr val="dk1">
+                    <a:alpha val="40000"/>
+                  </a:schemeClr>
+                </a:outerShdw>
+              </a:effectLst>
+            </a:endParaRPr>
+          </a:p>
+          <a:p>
+            <a:pPr algn="ctr"/>
+            <a:r>
+              <a:rPr lang="en-US" dirty="0">
+                <a:ln w="0"/>
+                <a:solidFill>
+                  <a:schemeClr val="tx1"/>
+                </a:solidFill>
+                <a:effectLst>
+                  <a:outerShdw blurRad="38100" dist="19050" dir="2700000" algn="tl" rotWithShape="0">
+                    <a:schemeClr val="dk1">
+                      <a:alpha val="40000"/>
+                    </a:schemeClr>
+                  </a:outerShdw>
+                </a:effectLst>
+              </a:rPr>
+              <a:t>homework.txt</a:t>
+            </a:r>
+          </a:p>
+          <a:p>
+            <a:pPr algn="ctr"/>
+            <a:endParaRPr lang="en-US" dirty="0"/>
+          </a:p>
+        </p:txBody>
+      </p:sp>
+    </p:spTree>
+    <p:extLst>
+      <p:ext uri="{BB962C8B-B14F-4D97-AF65-F5344CB8AC3E}">
+        <p14:creationId xmlns:p14="http://schemas.microsoft.com/office/powerpoint/2010/main" val="2305601106"/>
+      </p:ext>
+    </p:extLst>
+  </p:cSld>
+  <p:clrMapOvr>
+    <a:masterClrMapping/>
+  </p:clrMapOvr>
+</p:sld>
+</file>
+
+<file path=ppt/slides/slide6.xml><?xml version="1.0" encoding="utf-8"?>
 <p:sld xmlns:a="http://schemas.openxmlformats.org/drawingml/2006/main" xmlns:r="http://schemas.openxmlformats.org/officeDocument/2006/relationships" xmlns:p="http://schemas.openxmlformats.org/presentationml/2006/main">
   <p:cSld>
     <p:bg>
@@ -15717,7 +16623,7 @@
           <a:p>
             <a:fld id="{9FF96B15-8338-45D5-A943-561235072D66}" type="slidenum">
               <a:rPr lang="en-US" smtClean="0"/>
-              <a:t>5</a:t>
+              <a:t>6</a:t>
             </a:fld>
             <a:endParaRPr lang="en-US" dirty="0"/>
           </a:p>
@@ -15736,7 +16642,7 @@
 </p:sld>
 </file>
 
-<file path=ppt/slides/slide6.xml><?xml version="1.0" encoding="utf-8"?>
+<file path=ppt/slides/slide7.xml><?xml version="1.0" encoding="utf-8"?>
 <p:sld xmlns:a="http://schemas.openxmlformats.org/drawingml/2006/main" xmlns:r="http://schemas.openxmlformats.org/officeDocument/2006/relationships" xmlns:p="http://schemas.openxmlformats.org/presentationml/2006/main">
   <p:cSld>
     <p:spTree>
@@ -15951,7 +16857,7 @@
             <a:fld id="{9FF96B15-8338-45D5-A943-561235072D66}" type="slidenum">
               <a:rPr lang="en-US" smtClean="0"/>
               <a:pPr/>
-              <a:t>6</a:t>
+              <a:t>7</a:t>
             </a:fld>
             <a:endParaRPr lang="en-US" dirty="0"/>
           </a:p>
@@ -15970,7 +16876,7 @@
 </p:sld>
 </file>
 
-<file path=ppt/slides/slide7.xml><?xml version="1.0" encoding="utf-8"?>
+<file path=ppt/slides/slide8.xml><?xml version="1.0" encoding="utf-8"?>
 <p:sld xmlns:a="http://schemas.openxmlformats.org/drawingml/2006/main" xmlns:r="http://schemas.openxmlformats.org/officeDocument/2006/relationships" xmlns:p="http://schemas.openxmlformats.org/presentationml/2006/main">
   <p:cSld>
     <p:bg>
@@ -16182,7 +17088,7 @@
           <a:p>
             <a:fld id="{9FF96B15-8338-45D5-A943-561235072D66}" type="slidenum">
               <a:rPr lang="en-US" smtClean="0"/>
-              <a:t>7</a:t>
+              <a:t>8</a:t>
             </a:fld>
             <a:endParaRPr lang="en-US" dirty="0"/>
           </a:p>
@@ -16192,377 +17098,6 @@
     <p:extLst>
       <p:ext uri="{BB962C8B-B14F-4D97-AF65-F5344CB8AC3E}">
         <p14:creationId xmlns:p14="http://schemas.microsoft.com/office/powerpoint/2010/main" val="3162439051"/>
-      </p:ext>
-    </p:extLst>
-  </p:cSld>
-  <p:clrMapOvr>
-    <a:masterClrMapping/>
-  </p:clrMapOvr>
-</p:sld>
-</file>
-
-<file path=ppt/slides/slide8.xml><?xml version="1.0" encoding="utf-8"?>
-<p:sld xmlns:a="http://schemas.openxmlformats.org/drawingml/2006/main" xmlns:r="http://schemas.openxmlformats.org/officeDocument/2006/relationships" xmlns:p="http://schemas.openxmlformats.org/presentationml/2006/main">
-  <p:cSld>
-    <p:spTree>
-      <p:nvGrpSpPr>
-        <p:cNvPr id="1" name=""/>
-        <p:cNvGrpSpPr/>
-        <p:nvPr/>
-      </p:nvGrpSpPr>
-      <p:grpSpPr>
-        <a:xfrm>
-          <a:off x="0" y="0"/>
-          <a:ext cx="0" cy="0"/>
-          <a:chOff x="0" y="0"/>
-          <a:chExt cx="0" cy="0"/>
-        </a:xfrm>
-      </p:grpSpPr>
-      <p:sp>
-        <p:nvSpPr>
-          <p:cNvPr id="2" name="Title 1">
-            <a:extLst>
-              <a:ext uri="{FF2B5EF4-FFF2-40B4-BE49-F238E27FC236}">
-                <a16:creationId xmlns:a16="http://schemas.microsoft.com/office/drawing/2014/main" id="{B91F6B52-A20E-426B-B7E0-1B6AAB46C89F}"/>
-              </a:ext>
-            </a:extLst>
-          </p:cNvPr>
-          <p:cNvSpPr>
-            <a:spLocks noGrp="1"/>
-          </p:cNvSpPr>
-          <p:nvPr>
-            <p:ph type="title"/>
-          </p:nvPr>
-        </p:nvSpPr>
-        <p:spPr/>
-        <p:txBody>
-          <a:bodyPr/>
-          <a:lstStyle/>
-          <a:p>
-            <a:r>
-              <a:rPr lang="en-US" dirty="0"/>
-              <a:t>Assignments</a:t>
-            </a:r>
-          </a:p>
-        </p:txBody>
-      </p:sp>
-      <p:pic>
-        <p:nvPicPr>
-          <p:cNvPr id="38" name="Picture Placeholder 37" descr="Stopwatch">
-            <a:extLst>
-              <a:ext uri="{FF2B5EF4-FFF2-40B4-BE49-F238E27FC236}">
-                <a16:creationId xmlns:a16="http://schemas.microsoft.com/office/drawing/2014/main" id="{75D52F23-4559-4B75-A901-51E47C8B31C5}"/>
-              </a:ext>
-            </a:extLst>
-          </p:cNvPr>
-          <p:cNvPicPr>
-            <a:picLocks noGrp="1" noChangeAspect="1"/>
-          </p:cNvPicPr>
-          <p:nvPr>
-            <p:ph type="pic" sz="quarter" idx="4294967295"/>
-          </p:nvPr>
-        </p:nvPicPr>
-        <p:blipFill rotWithShape="1">
-          <a:blip r:embed="rId2">
-            <a:extLst>
-              <a:ext uri="{28A0092B-C50C-407E-A947-70E740481C1C}">
-                <a14:useLocalDpi xmlns:a14="http://schemas.microsoft.com/office/drawing/2010/main" val="0"/>
-              </a:ext>
-              <a:ext uri="{96DAC541-7B7A-43D3-8B79-37D633B846F1}">
-                <asvg:svgBlip xmlns:asvg="http://schemas.microsoft.com/office/drawing/2016/SVG/main" r:embed="rId3"/>
-              </a:ext>
-            </a:extLst>
-          </a:blip>
-          <a:srcRect l="-38313" t="-38313" r="-38313" b="-38313"/>
-          <a:stretch/>
-        </p:blipFill>
-        <p:spPr>
-          <a:xfrm>
-            <a:off x="5105845" y="1932281"/>
-            <a:ext cx="1041323" cy="1041323"/>
-          </a:xfrm>
-        </p:spPr>
-      </p:pic>
-      <p:sp>
-        <p:nvSpPr>
-          <p:cNvPr id="4" name="Text Placeholder 3">
-            <a:extLst>
-              <a:ext uri="{FF2B5EF4-FFF2-40B4-BE49-F238E27FC236}">
-                <a16:creationId xmlns:a16="http://schemas.microsoft.com/office/drawing/2014/main" id="{0436469F-A292-4492-BAAB-2F581AD4AC1D}"/>
-              </a:ext>
-            </a:extLst>
-          </p:cNvPr>
-          <p:cNvSpPr>
-            <a:spLocks noGrp="1"/>
-          </p:cNvSpPr>
-          <p:nvPr>
-            <p:ph type="body" sz="quarter" idx="14"/>
-          </p:nvPr>
-        </p:nvSpPr>
-        <p:spPr>
-          <a:xfrm>
-            <a:off x="6189670" y="1928699"/>
-            <a:ext cx="2095046" cy="1134239"/>
-          </a:xfrm>
-        </p:spPr>
-        <p:txBody>
-          <a:bodyPr>
-            <a:normAutofit/>
-          </a:bodyPr>
-          <a:lstStyle/>
-          <a:p>
-            <a:r>
-              <a:rPr lang="en-US" dirty="0"/>
-              <a:t>Using your class time wisely will decrease the amount of work you need to complete at home.</a:t>
-            </a:r>
-          </a:p>
-        </p:txBody>
-      </p:sp>
-      <p:pic>
-        <p:nvPicPr>
-          <p:cNvPr id="40" name="Picture Placeholder 39" descr="Share">
-            <a:extLst>
-              <a:ext uri="{FF2B5EF4-FFF2-40B4-BE49-F238E27FC236}">
-                <a16:creationId xmlns:a16="http://schemas.microsoft.com/office/drawing/2014/main" id="{6DAD0805-FCC0-46BE-8281-FAE74450C713}"/>
-              </a:ext>
-            </a:extLst>
-          </p:cNvPr>
-          <p:cNvPicPr>
-            <a:picLocks noGrp="1" noChangeAspect="1"/>
-          </p:cNvPicPr>
-          <p:nvPr>
-            <p:ph type="pic" sz="quarter" idx="4294967295"/>
-          </p:nvPr>
-        </p:nvPicPr>
-        <p:blipFill rotWithShape="1">
-          <a:blip r:embed="rId4">
-            <a:extLst>
-              <a:ext uri="{28A0092B-C50C-407E-A947-70E740481C1C}">
-                <a14:useLocalDpi xmlns:a14="http://schemas.microsoft.com/office/drawing/2010/main" val="0"/>
-              </a:ext>
-              <a:ext uri="{96DAC541-7B7A-43D3-8B79-37D633B846F1}">
-                <asvg:svgBlip xmlns:asvg="http://schemas.microsoft.com/office/drawing/2016/SVG/main" r:embed="rId5"/>
-              </a:ext>
-            </a:extLst>
-          </a:blip>
-          <a:srcRect l="-41595" t="-41595" r="-41595" b="-41595"/>
-          <a:stretch/>
-        </p:blipFill>
-        <p:spPr>
-          <a:xfrm>
-            <a:off x="8410099" y="1932281"/>
-            <a:ext cx="1041323" cy="1041323"/>
-          </a:xfrm>
-        </p:spPr>
-      </p:pic>
-      <p:sp>
-        <p:nvSpPr>
-          <p:cNvPr id="6" name="Text Placeholder 5">
-            <a:extLst>
-              <a:ext uri="{FF2B5EF4-FFF2-40B4-BE49-F238E27FC236}">
-                <a16:creationId xmlns:a16="http://schemas.microsoft.com/office/drawing/2014/main" id="{410CAEE2-2C63-436A-B2D5-4E3D73081993}"/>
-              </a:ext>
-            </a:extLst>
-          </p:cNvPr>
-          <p:cNvSpPr>
-            <a:spLocks noGrp="1"/>
-          </p:cNvSpPr>
-          <p:nvPr>
-            <p:ph type="body" sz="quarter" idx="16"/>
-          </p:nvPr>
-        </p:nvSpPr>
-        <p:spPr>
-          <a:xfrm>
-            <a:off x="9519533" y="1928699"/>
-            <a:ext cx="2095046" cy="1134239"/>
-          </a:xfrm>
-        </p:spPr>
-        <p:txBody>
-          <a:bodyPr/>
-          <a:lstStyle/>
-          <a:p>
-            <a:r>
-              <a:rPr lang="en-US" dirty="0"/>
-              <a:t>Please record your first and last name on all of your assignments.</a:t>
-            </a:r>
-          </a:p>
-        </p:txBody>
-      </p:sp>
-      <p:pic>
-        <p:nvPicPr>
-          <p:cNvPr id="42" name="Picture Placeholder 41" descr="Checkmark">
-            <a:extLst>
-              <a:ext uri="{FF2B5EF4-FFF2-40B4-BE49-F238E27FC236}">
-                <a16:creationId xmlns:a16="http://schemas.microsoft.com/office/drawing/2014/main" id="{3A3B6454-5613-4DC3-8C16-A358C1660553}"/>
-              </a:ext>
-            </a:extLst>
-          </p:cNvPr>
-          <p:cNvPicPr>
-            <a:picLocks noGrp="1" noChangeAspect="1"/>
-          </p:cNvPicPr>
-          <p:nvPr>
-            <p:ph type="pic" sz="quarter" idx="4294967295"/>
-          </p:nvPr>
-        </p:nvPicPr>
-        <p:blipFill rotWithShape="1">
-          <a:blip r:embed="rId6">
-            <a:extLst>
-              <a:ext uri="{28A0092B-C50C-407E-A947-70E740481C1C}">
-                <a14:useLocalDpi xmlns:a14="http://schemas.microsoft.com/office/drawing/2010/main" val="0"/>
-              </a:ext>
-              <a:ext uri="{96DAC541-7B7A-43D3-8B79-37D633B846F1}">
-                <asvg:svgBlip xmlns:asvg="http://schemas.microsoft.com/office/drawing/2016/SVG/main" r:embed="rId7"/>
-              </a:ext>
-            </a:extLst>
-          </a:blip>
-          <a:srcRect l="-46413" t="-50148" r="-53884" b="-50148"/>
-          <a:stretch/>
-        </p:blipFill>
-        <p:spPr>
-          <a:xfrm>
-            <a:off x="5105845" y="3979906"/>
-            <a:ext cx="1041323" cy="1041323"/>
-          </a:xfrm>
-        </p:spPr>
-      </p:pic>
-      <p:sp>
-        <p:nvSpPr>
-          <p:cNvPr id="8" name="Text Placeholder 7">
-            <a:extLst>
-              <a:ext uri="{FF2B5EF4-FFF2-40B4-BE49-F238E27FC236}">
-                <a16:creationId xmlns:a16="http://schemas.microsoft.com/office/drawing/2014/main" id="{A68D70ED-10B5-4BE6-AD26-6087054C33D1}"/>
-              </a:ext>
-            </a:extLst>
-          </p:cNvPr>
-          <p:cNvSpPr>
-            <a:spLocks noGrp="1"/>
-          </p:cNvSpPr>
-          <p:nvPr>
-            <p:ph type="body" sz="quarter" idx="18"/>
-          </p:nvPr>
-        </p:nvSpPr>
-        <p:spPr>
-          <a:xfrm>
-            <a:off x="6189670" y="3976324"/>
-            <a:ext cx="2095046" cy="1134239"/>
-          </a:xfrm>
-        </p:spPr>
-        <p:txBody>
-          <a:bodyPr>
-            <a:normAutofit/>
-          </a:bodyPr>
-          <a:lstStyle/>
-          <a:p>
-            <a:r>
-              <a:rPr lang="en-US" dirty="0"/>
-              <a:t>Completed assignments should be turned in to the tray on the table in the front of the room.</a:t>
-            </a:r>
-          </a:p>
-        </p:txBody>
-      </p:sp>
-      <p:pic>
-        <p:nvPicPr>
-          <p:cNvPr id="44" name="Picture Placeholder 43" descr="Open Book">
-            <a:extLst>
-              <a:ext uri="{FF2B5EF4-FFF2-40B4-BE49-F238E27FC236}">
-                <a16:creationId xmlns:a16="http://schemas.microsoft.com/office/drawing/2014/main" id="{A09A9329-706D-48C2-B319-28C120B9368D}"/>
-              </a:ext>
-            </a:extLst>
-          </p:cNvPr>
-          <p:cNvPicPr>
-            <a:picLocks noGrp="1" noChangeAspect="1"/>
-          </p:cNvPicPr>
-          <p:nvPr>
-            <p:ph type="pic" sz="quarter" idx="4294967295"/>
-          </p:nvPr>
-        </p:nvPicPr>
-        <p:blipFill rotWithShape="1">
-          <a:blip r:embed="rId8">
-            <a:extLst>
-              <a:ext uri="{28A0092B-C50C-407E-A947-70E740481C1C}">
-                <a14:useLocalDpi xmlns:a14="http://schemas.microsoft.com/office/drawing/2010/main" val="0"/>
-              </a:ext>
-              <a:ext uri="{96DAC541-7B7A-43D3-8B79-37D633B846F1}">
-                <asvg:svgBlip xmlns:asvg="http://schemas.microsoft.com/office/drawing/2016/SVG/main" r:embed="rId9"/>
-              </a:ext>
-            </a:extLst>
-          </a:blip>
-          <a:srcRect l="-36147" t="-41161" r="-46175" b="-41161"/>
-          <a:stretch/>
-        </p:blipFill>
-        <p:spPr>
-          <a:xfrm>
-            <a:off x="8410099" y="3979906"/>
-            <a:ext cx="1041323" cy="1041323"/>
-          </a:xfrm>
-        </p:spPr>
-      </p:pic>
-      <p:sp>
-        <p:nvSpPr>
-          <p:cNvPr id="10" name="Text Placeholder 9">
-            <a:extLst>
-              <a:ext uri="{FF2B5EF4-FFF2-40B4-BE49-F238E27FC236}">
-                <a16:creationId xmlns:a16="http://schemas.microsoft.com/office/drawing/2014/main" id="{220DCE5B-BE86-496B-83B4-E1F188607D9E}"/>
-              </a:ext>
-            </a:extLst>
-          </p:cNvPr>
-          <p:cNvSpPr>
-            <a:spLocks noGrp="1"/>
-          </p:cNvSpPr>
-          <p:nvPr>
-            <p:ph type="body" sz="quarter" idx="20"/>
-          </p:nvPr>
-        </p:nvSpPr>
-        <p:spPr>
-          <a:xfrm>
-            <a:off x="9519533" y="3976324"/>
-            <a:ext cx="2095046" cy="1134239"/>
-          </a:xfrm>
-        </p:spPr>
-        <p:txBody>
-          <a:bodyPr/>
-          <a:lstStyle/>
-          <a:p>
-            <a:r>
-              <a:rPr lang="en-US" dirty="0"/>
-              <a:t>Assignments will be graded and returned to you each Friday.</a:t>
-            </a:r>
-          </a:p>
-        </p:txBody>
-      </p:sp>
-      <p:sp>
-        <p:nvSpPr>
-          <p:cNvPr id="16" name="Slide Number Placeholder 15">
-            <a:extLst>
-              <a:ext uri="{FF2B5EF4-FFF2-40B4-BE49-F238E27FC236}">
-                <a16:creationId xmlns:a16="http://schemas.microsoft.com/office/drawing/2014/main" id="{7CF36D8C-67BC-C442-916E-35C3E53D6B7D}"/>
-              </a:ext>
-            </a:extLst>
-          </p:cNvPr>
-          <p:cNvSpPr>
-            <a:spLocks noGrp="1"/>
-          </p:cNvSpPr>
-          <p:nvPr>
-            <p:ph type="sldNum" sz="quarter" idx="12"/>
-          </p:nvPr>
-        </p:nvSpPr>
-        <p:spPr/>
-        <p:txBody>
-          <a:bodyPr/>
-          <a:lstStyle/>
-          <a:p>
-            <a:fld id="{9FF96B15-8338-45D5-A943-561235072D66}" type="slidenum">
-              <a:rPr lang="en-US" smtClean="0"/>
-              <a:t>8</a:t>
-            </a:fld>
-            <a:endParaRPr lang="en-US" dirty="0"/>
-          </a:p>
-        </p:txBody>
-      </p:sp>
-    </p:spTree>
-    <p:extLst>
-      <p:ext uri="{BB962C8B-B14F-4D97-AF65-F5344CB8AC3E}">
-        <p14:creationId xmlns:p14="http://schemas.microsoft.com/office/powerpoint/2010/main" val="3663049606"/>
       </p:ext>
     </p:extLst>
   </p:cSld>
@@ -16594,7 +17129,7 @@
           <p:cNvPr id="2" name="Title 1">
             <a:extLst>
               <a:ext uri="{FF2B5EF4-FFF2-40B4-BE49-F238E27FC236}">
-                <a16:creationId xmlns:a16="http://schemas.microsoft.com/office/drawing/2014/main" id="{01E330EF-AD71-4BCA-912D-98E229FAD44D}"/>
+                <a16:creationId xmlns:a16="http://schemas.microsoft.com/office/drawing/2014/main" id="{B91F6B52-A20E-426B-B7E0-1B6AAB46C89F}"/>
               </a:ext>
             </a:extLst>
           </p:cNvPr>
@@ -16612,17 +17147,17 @@
           <a:p>
             <a:r>
               <a:rPr lang="en-US" dirty="0"/>
-              <a:t>How and when to contact me?</a:t>
+              <a:t>Assignments</a:t>
             </a:r>
           </a:p>
         </p:txBody>
       </p:sp>
       <p:pic>
         <p:nvPicPr>
-          <p:cNvPr id="12" name="Picture Placeholder 11" descr="Dance">
+          <p:cNvPr id="38" name="Picture Placeholder 37" descr="Stopwatch">
             <a:extLst>
               <a:ext uri="{FF2B5EF4-FFF2-40B4-BE49-F238E27FC236}">
-                <a16:creationId xmlns:a16="http://schemas.microsoft.com/office/drawing/2014/main" id="{FC1B2E2C-6C17-4D56-85F9-61C465254BB8}"/>
+                <a16:creationId xmlns:a16="http://schemas.microsoft.com/office/drawing/2014/main" id="{75D52F23-4559-4B75-A901-51E47C8B31C5}"/>
               </a:ext>
             </a:extLst>
           </p:cNvPr>
@@ -16644,7 +17179,7 @@
               </a:ext>
             </a:extLst>
           </a:blip>
-          <a:srcRect l="-54056" t="-54056" r="-54056" b="-54056"/>
+          <a:srcRect l="-38313" t="-38313" r="-38313" b="-38313"/>
           <a:stretch/>
         </p:blipFill>
         <p:spPr>
@@ -16659,7 +17194,7 @@
           <p:cNvPr id="4" name="Text Placeholder 3">
             <a:extLst>
               <a:ext uri="{FF2B5EF4-FFF2-40B4-BE49-F238E27FC236}">
-                <a16:creationId xmlns:a16="http://schemas.microsoft.com/office/drawing/2014/main" id="{DC64ADBA-9106-4F0D-B92F-73E23D3A267F}"/>
+                <a16:creationId xmlns:a16="http://schemas.microsoft.com/office/drawing/2014/main" id="{0436469F-A292-4492-BAAB-2F581AD4AC1D}"/>
               </a:ext>
             </a:extLst>
           </p:cNvPr>
@@ -16672,8 +17207,8 @@
         </p:nvSpPr>
         <p:spPr>
           <a:xfrm>
-            <a:off x="6189670" y="1582467"/>
-            <a:ext cx="2095046" cy="1826703"/>
+            <a:off x="6189670" y="1928699"/>
+            <a:ext cx="2095046" cy="1134239"/>
           </a:xfrm>
         </p:spPr>
         <p:txBody>
@@ -16684,17 +17219,17 @@
           <a:p>
             <a:r>
               <a:rPr lang="en-US" dirty="0"/>
-              <a:t>I want you to have a great and successful year!</a:t>
+              <a:t>Using your class time wisely will decrease the amount of work you need to complete at home.</a:t>
             </a:r>
           </a:p>
         </p:txBody>
       </p:sp>
       <p:pic>
         <p:nvPicPr>
-          <p:cNvPr id="14" name="Picture Placeholder 13" descr="Teacher">
+          <p:cNvPr id="40" name="Picture Placeholder 39" descr="Share">
             <a:extLst>
               <a:ext uri="{FF2B5EF4-FFF2-40B4-BE49-F238E27FC236}">
-                <a16:creationId xmlns:a16="http://schemas.microsoft.com/office/drawing/2014/main" id="{BFF29EC3-B08A-46B9-868D-D15E5E1EF3F9}"/>
+                <a16:creationId xmlns:a16="http://schemas.microsoft.com/office/drawing/2014/main" id="{6DAD0805-FCC0-46BE-8281-FAE74450C713}"/>
               </a:ext>
             </a:extLst>
           </p:cNvPr>
@@ -16716,7 +17251,7 @@
               </a:ext>
             </a:extLst>
           </a:blip>
-          <a:srcRect l="-59789" t="-59789" r="-59789" b="-59789"/>
+          <a:srcRect l="-41595" t="-41595" r="-41595" b="-41595"/>
           <a:stretch/>
         </p:blipFill>
         <p:spPr>
@@ -16731,7 +17266,7 @@
           <p:cNvPr id="6" name="Text Placeholder 5">
             <a:extLst>
               <a:ext uri="{FF2B5EF4-FFF2-40B4-BE49-F238E27FC236}">
-                <a16:creationId xmlns:a16="http://schemas.microsoft.com/office/drawing/2014/main" id="{EFDEDC41-3977-462C-A56C-268F31CB5F74}"/>
+                <a16:creationId xmlns:a16="http://schemas.microsoft.com/office/drawing/2014/main" id="{410CAEE2-2C63-436A-B2D5-4E3D73081993}"/>
               </a:ext>
             </a:extLst>
           </p:cNvPr>
@@ -16744,29 +17279,27 @@
         </p:nvSpPr>
         <p:spPr>
           <a:xfrm>
-            <a:off x="9519533" y="1582467"/>
-            <a:ext cx="2095046" cy="1826703"/>
+            <a:off x="9519533" y="1928699"/>
+            <a:ext cx="2095046" cy="1134239"/>
           </a:xfrm>
         </p:spPr>
         <p:txBody>
-          <a:bodyPr>
-            <a:normAutofit/>
-          </a:bodyPr>
+          <a:bodyPr/>
           <a:lstStyle/>
           <a:p>
             <a:r>
               <a:rPr lang="en-US" dirty="0"/>
-              <a:t>You may visit with me about questions or concerns any time we are not in the middle of direct instruction, or I am not helping other students.</a:t>
+              <a:t>Please record your first and last name on all of your assignments.</a:t>
             </a:r>
           </a:p>
         </p:txBody>
       </p:sp>
       <p:pic>
         <p:nvPicPr>
-          <p:cNvPr id="16" name="Picture Placeholder 15" descr="Envelope">
+          <p:cNvPr id="42" name="Picture Placeholder 41" descr="Checkmark">
             <a:extLst>
               <a:ext uri="{FF2B5EF4-FFF2-40B4-BE49-F238E27FC236}">
-                <a16:creationId xmlns:a16="http://schemas.microsoft.com/office/drawing/2014/main" id="{FD570080-EB17-406F-9FA9-54B4145DCEF4}"/>
+                <a16:creationId xmlns:a16="http://schemas.microsoft.com/office/drawing/2014/main" id="{3A3B6454-5613-4DC3-8C16-A358C1660553}"/>
               </a:ext>
             </a:extLst>
           </p:cNvPr>
@@ -16777,22 +17310,24 @@
             <p:ph type="pic" sz="quarter" idx="4294967295"/>
           </p:nvPr>
         </p:nvPicPr>
-        <p:blipFill>
+        <p:blipFill rotWithShape="1">
           <a:blip r:embed="rId6">
             <a:extLst>
+              <a:ext uri="{28A0092B-C50C-407E-A947-70E740481C1C}">
+                <a14:useLocalDpi xmlns:a14="http://schemas.microsoft.com/office/drawing/2010/main" val="0"/>
+              </a:ext>
               <a:ext uri="{96DAC541-7B7A-43D3-8B79-37D633B846F1}">
                 <asvg:svgBlip xmlns:asvg="http://schemas.microsoft.com/office/drawing/2016/SVG/main" r:embed="rId7"/>
               </a:ext>
             </a:extLst>
           </a:blip>
-          <a:stretch>
-            <a:fillRect/>
-          </a:stretch>
+          <a:srcRect l="-46413" t="-50148" r="-53884" b="-50148"/>
+          <a:stretch/>
         </p:blipFill>
         <p:spPr>
           <a:xfrm>
-            <a:off x="5338268" y="4257675"/>
-            <a:ext cx="490386" cy="490386"/>
+            <a:off x="5105845" y="3979906"/>
+            <a:ext cx="1041323" cy="1041323"/>
           </a:xfrm>
         </p:spPr>
       </p:pic>
@@ -16801,7 +17336,7 @@
           <p:cNvPr id="8" name="Text Placeholder 7">
             <a:extLst>
               <a:ext uri="{FF2B5EF4-FFF2-40B4-BE49-F238E27FC236}">
-                <a16:creationId xmlns:a16="http://schemas.microsoft.com/office/drawing/2014/main" id="{D4480B4D-7DFB-4ED2-BE16-ED0D78C3F233}"/>
+                <a16:creationId xmlns:a16="http://schemas.microsoft.com/office/drawing/2014/main" id="{A68D70ED-10B5-4BE6-AD26-6087054C33D1}"/>
               </a:ext>
             </a:extLst>
           </p:cNvPr>
@@ -16814,8 +17349,8 @@
         </p:nvSpPr>
         <p:spPr>
           <a:xfrm>
-            <a:off x="6189670" y="3630092"/>
-            <a:ext cx="2095046" cy="1826703"/>
+            <a:off x="6189670" y="3976324"/>
+            <a:ext cx="2095046" cy="1134239"/>
           </a:xfrm>
         </p:spPr>
         <p:txBody>
@@ -16826,17 +17361,17 @@
           <a:p>
             <a:r>
               <a:rPr lang="en-US" dirty="0"/>
-              <a:t>You may email me if necessary, and I will respond when I am able.</a:t>
+              <a:t>Completed assignments should be turned in to the tray on the table in the front of the room.</a:t>
             </a:r>
           </a:p>
         </p:txBody>
       </p:sp>
       <p:pic>
         <p:nvPicPr>
-          <p:cNvPr id="18" name="Picture Placeholder 17" descr="Books">
+          <p:cNvPr id="44" name="Picture Placeholder 43" descr="Open Book">
             <a:extLst>
               <a:ext uri="{FF2B5EF4-FFF2-40B4-BE49-F238E27FC236}">
-                <a16:creationId xmlns:a16="http://schemas.microsoft.com/office/drawing/2014/main" id="{A5AF2A59-1CC2-4D6E-82C6-4995A03532D8}"/>
+                <a16:creationId xmlns:a16="http://schemas.microsoft.com/office/drawing/2014/main" id="{A09A9329-706D-48C2-B319-28C120B9368D}"/>
               </a:ext>
             </a:extLst>
           </p:cNvPr>
@@ -16858,7 +17393,7 @@
               </a:ext>
             </a:extLst>
           </a:blip>
-          <a:srcRect l="-65620" t="-65620" r="-65620" b="-65620"/>
+          <a:srcRect l="-36147" t="-41161" r="-46175" b="-41161"/>
           <a:stretch/>
         </p:blipFill>
         <p:spPr>
@@ -16873,7 +17408,7 @@
           <p:cNvPr id="10" name="Text Placeholder 9">
             <a:extLst>
               <a:ext uri="{FF2B5EF4-FFF2-40B4-BE49-F238E27FC236}">
-                <a16:creationId xmlns:a16="http://schemas.microsoft.com/office/drawing/2014/main" id="{83E86EAF-D8FA-4229-BD4A-CCAAF9A19DD6}"/>
+                <a16:creationId xmlns:a16="http://schemas.microsoft.com/office/drawing/2014/main" id="{220DCE5B-BE86-496B-83B4-E1F188607D9E}"/>
               </a:ext>
             </a:extLst>
           </p:cNvPr>
@@ -16886,29 +17421,27 @@
         </p:nvSpPr>
         <p:spPr>
           <a:xfrm>
-            <a:off x="9519533" y="3630092"/>
-            <a:ext cx="2095046" cy="1826703"/>
+            <a:off x="9519533" y="3976324"/>
+            <a:ext cx="2095046" cy="1134239"/>
           </a:xfrm>
         </p:spPr>
         <p:txBody>
-          <a:bodyPr>
-            <a:normAutofit/>
-          </a:bodyPr>
+          <a:bodyPr/>
           <a:lstStyle/>
           <a:p>
             <a:r>
               <a:rPr lang="en-US" dirty="0"/>
-              <a:t>I am available for extra help before or after school. When possible, please let me know in advance so I can plan accordingly.</a:t>
+              <a:t>Assignments will be graded and returned to you each Friday.</a:t>
             </a:r>
           </a:p>
         </p:txBody>
       </p:sp>
       <p:sp>
         <p:nvSpPr>
-          <p:cNvPr id="29" name="Slide Number Placeholder 28">
+          <p:cNvPr id="16" name="Slide Number Placeholder 15">
             <a:extLst>
               <a:ext uri="{FF2B5EF4-FFF2-40B4-BE49-F238E27FC236}">
-                <a16:creationId xmlns:a16="http://schemas.microsoft.com/office/drawing/2014/main" id="{F5A71D41-5822-AC42-8C29-6AFDEB817A8A}"/>
+                <a16:creationId xmlns:a16="http://schemas.microsoft.com/office/drawing/2014/main" id="{7CF36D8C-67BC-C442-916E-35C3E53D6B7D}"/>
               </a:ext>
             </a:extLst>
           </p:cNvPr>
@@ -16935,7 +17468,7 @@
     </p:spTree>
     <p:extLst>
       <p:ext uri="{BB962C8B-B14F-4D97-AF65-F5344CB8AC3E}">
-        <p14:creationId xmlns:p14="http://schemas.microsoft.com/office/powerpoint/2010/main" val="1486305253"/>
+        <p14:creationId xmlns:p14="http://schemas.microsoft.com/office/powerpoint/2010/main" val="3663049606"/>
       </p:ext>
     </p:extLst>
   </p:cSld>
@@ -17801,23 +18334,6 @@
 </file>
 
 <file path=customXml/item1.xml><?xml version="1.0" encoding="utf-8"?>
-<p:properties xmlns:p="http://schemas.microsoft.com/office/2006/metadata/properties" xmlns:xsi="http://www.w3.org/2001/XMLSchema-instance" xmlns:pc="http://schemas.microsoft.com/office/infopath/2007/PartnerControls">
-  <documentManagement>
-    <MediaServiceKeyPoints xmlns="71af3243-3dd4-4a8d-8c0d-dd76da1f02a5" xsi:nil="true"/>
-  </documentManagement>
-</p:properties>
-</file>
-
-<file path=customXml/item2.xml><?xml version="1.0" encoding="utf-8"?>
-<?mso-contentType ?>
-<FormTemplates xmlns="http://schemas.microsoft.com/sharepoint/v3/contenttype/forms">
-  <Display>DocumentLibraryForm</Display>
-  <Edit>DocumentLibraryForm</Edit>
-  <New>DocumentLibraryForm</New>
-</FormTemplates>
-</file>
-
-<file path=customXml/item3.xml><?xml version="1.0" encoding="utf-8"?>
 <ct:contentTypeSchema xmlns:ct="http://schemas.microsoft.com/office/2006/metadata/contentType" xmlns:ma="http://schemas.microsoft.com/office/2006/metadata/properties/metaAttributes" ct:_="" ma:_="" ma:contentTypeName="Document" ma:contentTypeID="0x01010079F111ED35F8CC479449609E8A0923A6" ma:contentTypeVersion="11" ma:contentTypeDescription="Create a new document." ma:contentTypeScope="" ma:versionID="96291512c1ee715ab617f4c07df79fc1">
   <xsd:schema xmlns:xsd="http://www.w3.org/2001/XMLSchema" xmlns:xs="http://www.w3.org/2001/XMLSchema" xmlns:p="http://schemas.microsoft.com/office/2006/metadata/properties" xmlns:ns2="71af3243-3dd4-4a8d-8c0d-dd76da1f02a5" xmlns:ns3="16c05727-aa75-4e4a-9b5f-8a80a1165891" targetNamespace="http://schemas.microsoft.com/office/2006/metadata/properties" ma:root="true" ma:fieldsID="8256c27c40ca5c40ce1cf6c44f0205df" ns2:_="" ns3:_="">
     <xsd:import namespace="71af3243-3dd4-4a8d-8c0d-dd76da1f02a5"/>
@@ -18028,25 +18544,24 @@
 </ct:contentTypeSchema>
 </file>
 
-<file path=customXml/itemProps1.xml><?xml version="1.0" encoding="utf-8"?>
-<ds:datastoreItem xmlns:ds="http://schemas.openxmlformats.org/officeDocument/2006/customXml" ds:itemID="{F983CA34-C6E2-49BA-ACFF-78ADEC0C28FA}">
-  <ds:schemaRefs>
-    <ds:schemaRef ds:uri="http://schemas.microsoft.com/office/2006/metadata/properties"/>
-    <ds:schemaRef ds:uri="http://schemas.microsoft.com/office/infopath/2007/PartnerControls"/>
-    <ds:schemaRef ds:uri="71af3243-3dd4-4a8d-8c0d-dd76da1f02a5"/>
-  </ds:schemaRefs>
-</ds:datastoreItem>
+<file path=customXml/item2.xml><?xml version="1.0" encoding="utf-8"?>
+<?mso-contentType ?>
+<FormTemplates xmlns="http://schemas.microsoft.com/sharepoint/v3/contenttype/forms">
+  <Display>DocumentLibraryForm</Display>
+  <Edit>DocumentLibraryForm</Edit>
+  <New>DocumentLibraryForm</New>
+</FormTemplates>
 </file>
 
-<file path=customXml/itemProps2.xml><?xml version="1.0" encoding="utf-8"?>
-<ds:datastoreItem xmlns:ds="http://schemas.openxmlformats.org/officeDocument/2006/customXml" ds:itemID="{CCB9AE35-8A31-4380-94A6-86E5DFCDD123}">
-  <ds:schemaRefs>
-    <ds:schemaRef ds:uri="http://schemas.microsoft.com/sharepoint/v3/contenttype/forms"/>
-  </ds:schemaRefs>
-</ds:datastoreItem>
+<file path=customXml/item3.xml><?xml version="1.0" encoding="utf-8"?>
+<p:properties xmlns:p="http://schemas.microsoft.com/office/2006/metadata/properties" xmlns:xsi="http://www.w3.org/2001/XMLSchema-instance" xmlns:pc="http://schemas.microsoft.com/office/infopath/2007/PartnerControls">
+  <documentManagement>
+    <MediaServiceKeyPoints xmlns="71af3243-3dd4-4a8d-8c0d-dd76da1f02a5" xsi:nil="true"/>
+  </documentManagement>
+</p:properties>
 </file>
 
-<file path=customXml/itemProps3.xml><?xml version="1.0" encoding="utf-8"?>
+<file path=customXml/itemProps1.xml><?xml version="1.0" encoding="utf-8"?>
 <ds:datastoreItem xmlns:ds="http://schemas.openxmlformats.org/officeDocument/2006/customXml" ds:itemID="{570D0EAE-52CD-493E-A174-3A7CD0E9C7B2}">
   <ds:schemaRefs>
     <ds:schemaRef ds:uri="http://schemas.microsoft.com/office/2006/metadata/contentType"/>
@@ -18063,4 +18578,22 @@
     <ds:schemaRef ds:uri="http://schemas.microsoft.com/internal/obd"/>
   </ds:schemaRefs>
 </ds:datastoreItem>
+</file>
+
+<file path=customXml/itemProps2.xml><?xml version="1.0" encoding="utf-8"?>
+<ds:datastoreItem xmlns:ds="http://schemas.openxmlformats.org/officeDocument/2006/customXml" ds:itemID="{CCB9AE35-8A31-4380-94A6-86E5DFCDD123}">
+  <ds:schemaRefs>
+    <ds:schemaRef ds:uri="http://schemas.microsoft.com/sharepoint/v3/contenttype/forms"/>
+  </ds:schemaRefs>
+</ds:datastoreItem>
+</file>
+
+<file path=customXml/itemProps3.xml><?xml version="1.0" encoding="utf-8"?>
+<ds:datastoreItem xmlns:ds="http://schemas.openxmlformats.org/officeDocument/2006/customXml" ds:itemID="{F983CA34-C6E2-49BA-ACFF-78ADEC0C28FA}">
+  <ds:schemaRefs>
+    <ds:schemaRef ds:uri="http://schemas.microsoft.com/office/2006/metadata/properties"/>
+    <ds:schemaRef ds:uri="http://schemas.microsoft.com/office/infopath/2007/PartnerControls"/>
+    <ds:schemaRef ds:uri="71af3243-3dd4-4a8d-8c0d-dd76da1f02a5"/>
+  </ds:schemaRefs>
+</ds:datastoreItem>
 </file>